--- a/Blueprint/UseCases_PersistenID.pptx
+++ b/Blueprint/UseCases_PersistenID.pptx
@@ -989,7 +989,7 @@
           <a:p>
             <a:fld id="{29BFE5FB-EE99-4E69-B2F7-C156D52DE4BD}" type="datetimeFigureOut">
               <a:rPr lang="en-GB" smtClean="0"/>
-              <a:t>27/04/2023</a:t>
+              <a:t>14/06/2023</a:t>
             </a:fld>
             <a:endParaRPr lang="en-GB"/>
           </a:p>
@@ -1189,7 +1189,7 @@
           <a:p>
             <a:fld id="{29BFE5FB-EE99-4E69-B2F7-C156D52DE4BD}" type="datetimeFigureOut">
               <a:rPr lang="en-GB" smtClean="0"/>
-              <a:t>27/04/2023</a:t>
+              <a:t>14/06/2023</a:t>
             </a:fld>
             <a:endParaRPr lang="en-GB"/>
           </a:p>
@@ -1399,7 +1399,7 @@
           <a:p>
             <a:fld id="{29BFE5FB-EE99-4E69-B2F7-C156D52DE4BD}" type="datetimeFigureOut">
               <a:rPr lang="en-GB" smtClean="0"/>
-              <a:t>27/04/2023</a:t>
+              <a:t>14/06/2023</a:t>
             </a:fld>
             <a:endParaRPr lang="en-GB"/>
           </a:p>
@@ -1599,7 +1599,7 @@
           <a:p>
             <a:fld id="{29BFE5FB-EE99-4E69-B2F7-C156D52DE4BD}" type="datetimeFigureOut">
               <a:rPr lang="en-GB" smtClean="0"/>
-              <a:t>27/04/2023</a:t>
+              <a:t>14/06/2023</a:t>
             </a:fld>
             <a:endParaRPr lang="en-GB"/>
           </a:p>
@@ -1875,7 +1875,7 @@
           <a:p>
             <a:fld id="{29BFE5FB-EE99-4E69-B2F7-C156D52DE4BD}" type="datetimeFigureOut">
               <a:rPr lang="en-GB" smtClean="0"/>
-              <a:t>27/04/2023</a:t>
+              <a:t>14/06/2023</a:t>
             </a:fld>
             <a:endParaRPr lang="en-GB"/>
           </a:p>
@@ -2143,7 +2143,7 @@
           <a:p>
             <a:fld id="{29BFE5FB-EE99-4E69-B2F7-C156D52DE4BD}" type="datetimeFigureOut">
               <a:rPr lang="en-GB" smtClean="0"/>
-              <a:t>27/04/2023</a:t>
+              <a:t>14/06/2023</a:t>
             </a:fld>
             <a:endParaRPr lang="en-GB"/>
           </a:p>
@@ -2558,7 +2558,7 @@
           <a:p>
             <a:fld id="{29BFE5FB-EE99-4E69-B2F7-C156D52DE4BD}" type="datetimeFigureOut">
               <a:rPr lang="en-GB" smtClean="0"/>
-              <a:t>27/04/2023</a:t>
+              <a:t>14/06/2023</a:t>
             </a:fld>
             <a:endParaRPr lang="en-GB"/>
           </a:p>
@@ -2700,7 +2700,7 @@
           <a:p>
             <a:fld id="{29BFE5FB-EE99-4E69-B2F7-C156D52DE4BD}" type="datetimeFigureOut">
               <a:rPr lang="en-GB" smtClean="0"/>
-              <a:t>27/04/2023</a:t>
+              <a:t>14/06/2023</a:t>
             </a:fld>
             <a:endParaRPr lang="en-GB"/>
           </a:p>
@@ -2813,7 +2813,7 @@
           <a:p>
             <a:fld id="{29BFE5FB-EE99-4E69-B2F7-C156D52DE4BD}" type="datetimeFigureOut">
               <a:rPr lang="en-GB" smtClean="0"/>
-              <a:t>27/04/2023</a:t>
+              <a:t>14/06/2023</a:t>
             </a:fld>
             <a:endParaRPr lang="en-GB"/>
           </a:p>
@@ -3126,7 +3126,7 @@
           <a:p>
             <a:fld id="{29BFE5FB-EE99-4E69-B2F7-C156D52DE4BD}" type="datetimeFigureOut">
               <a:rPr lang="en-GB" smtClean="0"/>
-              <a:t>27/04/2023</a:t>
+              <a:t>14/06/2023</a:t>
             </a:fld>
             <a:endParaRPr lang="en-GB"/>
           </a:p>
@@ -3415,7 +3415,7 @@
           <a:p>
             <a:fld id="{29BFE5FB-EE99-4E69-B2F7-C156D52DE4BD}" type="datetimeFigureOut">
               <a:rPr lang="en-GB" smtClean="0"/>
-              <a:t>27/04/2023</a:t>
+              <a:t>14/06/2023</a:t>
             </a:fld>
             <a:endParaRPr lang="en-GB"/>
           </a:p>
@@ -3658,7 +3658,7 @@
           <a:p>
             <a:fld id="{29BFE5FB-EE99-4E69-B2F7-C156D52DE4BD}" type="datetimeFigureOut">
               <a:rPr lang="en-GB" smtClean="0"/>
-              <a:t>27/04/2023</a:t>
+              <a:t>14/06/2023</a:t>
             </a:fld>
             <a:endParaRPr lang="en-GB"/>
           </a:p>
@@ -4430,10 +4430,13 @@
             </a:r>
           </a:p>
           <a:p>
-            <a:pPr lvl="1"/>
+            <a:pPr marL="742950" lvl="1" indent="-285750">
+              <a:buFont typeface="Arial" panose="020B0604020202020204" pitchFamily="34" charset="0"/>
+              <a:buChar char="•"/>
+            </a:pPr>
             <a:r>
               <a:rPr lang="en-GB" dirty="0"/>
-              <a:t>* Add </a:t>
+              <a:t>Add </a:t>
             </a:r>
             <a:r>
               <a:rPr lang="en-GB" dirty="0" err="1"/>
@@ -4626,36 +4629,188 @@
           </a:fontRef>
         </p:style>
       </p:cxnSp>
-      <p:pic>
-        <p:nvPicPr>
-          <p:cNvPr id="18" name="Picture 17">
-            <a:extLst>
-              <a:ext uri="{FF2B5EF4-FFF2-40B4-BE49-F238E27FC236}">
-                <a16:creationId xmlns:a16="http://schemas.microsoft.com/office/drawing/2014/main" id="{4468DA50-6805-4A35-22BA-0BD90334B7F1}"/>
-              </a:ext>
-            </a:extLst>
-          </p:cNvPr>
-          <p:cNvPicPr>
-            <a:picLocks noChangeAspect="1"/>
-          </p:cNvPicPr>
+      <p:sp>
+        <p:nvSpPr>
+          <p:cNvPr id="2" name="TextBox 1">
+            <a:extLst>
+              <a:ext uri="{FF2B5EF4-FFF2-40B4-BE49-F238E27FC236}">
+                <a16:creationId xmlns:a16="http://schemas.microsoft.com/office/drawing/2014/main" id="{74946A1F-3EC1-E064-A437-D07B3B7CE2F6}"/>
+              </a:ext>
+            </a:extLst>
+          </p:cNvPr>
+          <p:cNvSpPr txBox="1"/>
           <p:nvPr/>
-        </p:nvPicPr>
-        <p:blipFill>
-          <a:blip r:embed="rId4"/>
-          <a:stretch>
-            <a:fillRect/>
-          </a:stretch>
-        </p:blipFill>
+        </p:nvSpPr>
         <p:spPr>
           <a:xfrm>
-            <a:off x="4866843" y="4954548"/>
-            <a:ext cx="215175" cy="61197"/>
+            <a:off x="4841839" y="4972451"/>
+            <a:ext cx="121444" cy="38472"/>
           </a:xfrm>
           <a:prstGeom prst="rect">
             <a:avLst/>
           </a:prstGeom>
+          <a:noFill/>
         </p:spPr>
-      </p:pic>
+        <p:txBody>
+          <a:bodyPr wrap="square" lIns="0" tIns="0" rIns="0" bIns="0" rtlCol="0">
+            <a:spAutoFit/>
+          </a:bodyPr>
+          <a:lstStyle/>
+          <a:p>
+            <a:pPr algn="r"/>
+            <a:r>
+              <a:rPr lang="en-GB" sz="250" dirty="0">
+                <a:effectLst>
+                  <a:outerShdw blurRad="38100" dist="38100" dir="2700000" algn="tl">
+                    <a:srgbClr val="000000">
+                      <a:alpha val="43137"/>
+                    </a:srgbClr>
+                  </a:outerShdw>
+                </a:effectLst>
+                <a:latin typeface="Bahnschrift Light" panose="020B0502040204020203" pitchFamily="34" charset="0"/>
+                <a:ea typeface="Arial Unicode MS" panose="020B0604020202020204" pitchFamily="34" charset="-128"/>
+                <a:cs typeface="Arial Unicode MS" panose="020B0604020202020204" pitchFamily="34" charset="-128"/>
+              </a:rPr>
+              <a:t>AP110</a:t>
+            </a:r>
+          </a:p>
+        </p:txBody>
+      </p:sp>
+      <p:sp>
+        <p:nvSpPr>
+          <p:cNvPr id="5" name="TextBox 4">
+            <a:extLst>
+              <a:ext uri="{FF2B5EF4-FFF2-40B4-BE49-F238E27FC236}">
+                <a16:creationId xmlns:a16="http://schemas.microsoft.com/office/drawing/2014/main" id="{F090421E-7E42-C945-746D-CC2C8C43115D}"/>
+              </a:ext>
+            </a:extLst>
+          </p:cNvPr>
+          <p:cNvSpPr txBox="1"/>
+          <p:nvPr/>
+        </p:nvSpPr>
+        <p:spPr>
+          <a:xfrm>
+            <a:off x="4993481" y="4972451"/>
+            <a:ext cx="121444" cy="38472"/>
+          </a:xfrm>
+          <a:prstGeom prst="rect">
+            <a:avLst/>
+          </a:prstGeom>
+          <a:noFill/>
+        </p:spPr>
+        <p:txBody>
+          <a:bodyPr wrap="square" lIns="0" tIns="0" rIns="0" bIns="0" rtlCol="0">
+            <a:spAutoFit/>
+          </a:bodyPr>
+          <a:lstStyle/>
+          <a:p>
+            <a:r>
+              <a:rPr lang="en-GB" sz="250" dirty="0">
+                <a:effectLst>
+                  <a:outerShdw blurRad="38100" dist="38100" dir="2700000" algn="tl">
+                    <a:srgbClr val="000000">
+                      <a:alpha val="43137"/>
+                    </a:srgbClr>
+                  </a:outerShdw>
+                </a:effectLst>
+                <a:latin typeface="Bahnschrift Light" panose="020B0502040204020203" pitchFamily="34" charset="0"/>
+                <a:ea typeface="Arial Unicode MS" panose="020B0604020202020204" pitchFamily="34" charset="-128"/>
+                <a:cs typeface="Arial Unicode MS" panose="020B0604020202020204" pitchFamily="34" charset="-128"/>
+              </a:rPr>
+              <a:t>AP310</a:t>
+            </a:r>
+          </a:p>
+        </p:txBody>
+      </p:sp>
+      <p:sp>
+        <p:nvSpPr>
+          <p:cNvPr id="6" name="TextBox 5">
+            <a:extLst>
+              <a:ext uri="{FF2B5EF4-FFF2-40B4-BE49-F238E27FC236}">
+                <a16:creationId xmlns:a16="http://schemas.microsoft.com/office/drawing/2014/main" id="{A6882847-5B32-5A38-EAF6-DBA6981FF24B}"/>
+              </a:ext>
+            </a:extLst>
+          </p:cNvPr>
+          <p:cNvSpPr txBox="1"/>
+          <p:nvPr/>
+        </p:nvSpPr>
+        <p:spPr>
+          <a:xfrm>
+            <a:off x="8448675" y="1204933"/>
+            <a:ext cx="3416300" cy="4801314"/>
+          </a:xfrm>
+          <a:prstGeom prst="rect">
+            <a:avLst/>
+          </a:prstGeom>
+          <a:noFill/>
+        </p:spPr>
+        <p:txBody>
+          <a:bodyPr wrap="square" rtlCol="0">
+            <a:spAutoFit/>
+          </a:bodyPr>
+          <a:lstStyle/>
+          <a:p>
+            <a:r>
+              <a:rPr lang="en-GB" dirty="0"/>
+              <a:t>** Test transfer of </a:t>
+            </a:r>
+            <a:r>
+              <a:rPr lang="en-GB" dirty="0" err="1"/>
+              <a:t>PropertyBreak</a:t>
+            </a:r>
+            <a:r>
+              <a:rPr lang="en-GB" dirty="0"/>
+              <a:t>:</a:t>
+            </a:r>
+          </a:p>
+          <a:p>
+            <a:pPr marL="342900" indent="-342900">
+              <a:buAutoNum type="arabicPeriod"/>
+            </a:pPr>
+            <a:r>
+              <a:rPr lang="en-GB" dirty="0"/>
+              <a:t>Top break: use 2 </a:t>
+            </a:r>
+            <a:r>
+              <a:rPr lang="en-GB" dirty="0" err="1"/>
+              <a:t>PropertyBreak</a:t>
+            </a:r>
+            <a:r>
+              <a:rPr lang="en-GB" dirty="0"/>
+              <a:t> class elements 1 for each break type. 2 separate symbols placed up on each other.</a:t>
+            </a:r>
+          </a:p>
+          <a:p>
+            <a:pPr marL="342900" indent="-342900">
+              <a:buAutoNum type="arabicPeriod"/>
+            </a:pPr>
+            <a:r>
+              <a:rPr lang="en-GB" dirty="0"/>
+              <a:t>Bottom break: use 1 </a:t>
+            </a:r>
+            <a:r>
+              <a:rPr lang="en-GB" dirty="0" err="1"/>
+              <a:t>PropertyBreak</a:t>
+            </a:r>
+            <a:r>
+              <a:rPr lang="en-GB" dirty="0"/>
+              <a:t> class element for both break types. 1 symbol used for the double break.</a:t>
+            </a:r>
+          </a:p>
+          <a:p>
+            <a:pPr marL="342900" indent="-342900">
+              <a:buAutoNum type="arabicPeriod"/>
+            </a:pPr>
+            <a:endParaRPr lang="en-GB" dirty="0"/>
+          </a:p>
+          <a:p>
+            <a:r>
+              <a:rPr lang="en-GB" dirty="0"/>
+              <a:t>In each case the BreakValue1 attribute will be used to transfer the text shown on the left-hand side of the break, BreakValue2 will transfer the text on the right-hand side.</a:t>
+            </a:r>
+          </a:p>
+        </p:txBody>
+      </p:sp>
     </p:spTree>
     <p:extLst>
       <p:ext uri="{BB962C8B-B14F-4D97-AF65-F5344CB8AC3E}">

--- a/Blueprint/UseCases_PersistenID.pptx
+++ b/Blueprint/UseCases_PersistenID.pptx
@@ -15,6 +15,8 @@
     <p:sldId id="274" r:id="rId9"/>
     <p:sldId id="275" r:id="rId10"/>
     <p:sldId id="276" r:id="rId11"/>
+    <p:sldId id="277" r:id="rId12"/>
+    <p:sldId id="278" r:id="rId13"/>
   </p:sldIdLst>
   <p:sldSz cx="12192000" cy="6858000"/>
   <p:notesSz cx="6858000" cy="9144000"/>
@@ -989,7 +991,7 @@
           <a:p>
             <a:fld id="{29BFE5FB-EE99-4E69-B2F7-C156D52DE4BD}" type="datetimeFigureOut">
               <a:rPr lang="en-GB" smtClean="0"/>
-              <a:t>14/06/2023</a:t>
+              <a:t>05/07/2023</a:t>
             </a:fld>
             <a:endParaRPr lang="en-GB"/>
           </a:p>
@@ -1189,7 +1191,7 @@
           <a:p>
             <a:fld id="{29BFE5FB-EE99-4E69-B2F7-C156D52DE4BD}" type="datetimeFigureOut">
               <a:rPr lang="en-GB" smtClean="0"/>
-              <a:t>14/06/2023</a:t>
+              <a:t>05/07/2023</a:t>
             </a:fld>
             <a:endParaRPr lang="en-GB"/>
           </a:p>
@@ -1399,7 +1401,7 @@
           <a:p>
             <a:fld id="{29BFE5FB-EE99-4E69-B2F7-C156D52DE4BD}" type="datetimeFigureOut">
               <a:rPr lang="en-GB" smtClean="0"/>
-              <a:t>14/06/2023</a:t>
+              <a:t>05/07/2023</a:t>
             </a:fld>
             <a:endParaRPr lang="en-GB"/>
           </a:p>
@@ -1599,7 +1601,7 @@
           <a:p>
             <a:fld id="{29BFE5FB-EE99-4E69-B2F7-C156D52DE4BD}" type="datetimeFigureOut">
               <a:rPr lang="en-GB" smtClean="0"/>
-              <a:t>14/06/2023</a:t>
+              <a:t>05/07/2023</a:t>
             </a:fld>
             <a:endParaRPr lang="en-GB"/>
           </a:p>
@@ -1875,7 +1877,7 @@
           <a:p>
             <a:fld id="{29BFE5FB-EE99-4E69-B2F7-C156D52DE4BD}" type="datetimeFigureOut">
               <a:rPr lang="en-GB" smtClean="0"/>
-              <a:t>14/06/2023</a:t>
+              <a:t>05/07/2023</a:t>
             </a:fld>
             <a:endParaRPr lang="en-GB"/>
           </a:p>
@@ -2143,7 +2145,7 @@
           <a:p>
             <a:fld id="{29BFE5FB-EE99-4E69-B2F7-C156D52DE4BD}" type="datetimeFigureOut">
               <a:rPr lang="en-GB" smtClean="0"/>
-              <a:t>14/06/2023</a:t>
+              <a:t>05/07/2023</a:t>
             </a:fld>
             <a:endParaRPr lang="en-GB"/>
           </a:p>
@@ -2558,7 +2560,7 @@
           <a:p>
             <a:fld id="{29BFE5FB-EE99-4E69-B2F7-C156D52DE4BD}" type="datetimeFigureOut">
               <a:rPr lang="en-GB" smtClean="0"/>
-              <a:t>14/06/2023</a:t>
+              <a:t>05/07/2023</a:t>
             </a:fld>
             <a:endParaRPr lang="en-GB"/>
           </a:p>
@@ -2700,7 +2702,7 @@
           <a:p>
             <a:fld id="{29BFE5FB-EE99-4E69-B2F7-C156D52DE4BD}" type="datetimeFigureOut">
               <a:rPr lang="en-GB" smtClean="0"/>
-              <a:t>14/06/2023</a:t>
+              <a:t>05/07/2023</a:t>
             </a:fld>
             <a:endParaRPr lang="en-GB"/>
           </a:p>
@@ -2813,7 +2815,7 @@
           <a:p>
             <a:fld id="{29BFE5FB-EE99-4E69-B2F7-C156D52DE4BD}" type="datetimeFigureOut">
               <a:rPr lang="en-GB" smtClean="0"/>
-              <a:t>14/06/2023</a:t>
+              <a:t>05/07/2023</a:t>
             </a:fld>
             <a:endParaRPr lang="en-GB"/>
           </a:p>
@@ -3126,7 +3128,7 @@
           <a:p>
             <a:fld id="{29BFE5FB-EE99-4E69-B2F7-C156D52DE4BD}" type="datetimeFigureOut">
               <a:rPr lang="en-GB" smtClean="0"/>
-              <a:t>14/06/2023</a:t>
+              <a:t>05/07/2023</a:t>
             </a:fld>
             <a:endParaRPr lang="en-GB"/>
           </a:p>
@@ -3415,7 +3417,7 @@
           <a:p>
             <a:fld id="{29BFE5FB-EE99-4E69-B2F7-C156D52DE4BD}" type="datetimeFigureOut">
               <a:rPr lang="en-GB" smtClean="0"/>
-              <a:t>14/06/2023</a:t>
+              <a:t>05/07/2023</a:t>
             </a:fld>
             <a:endParaRPr lang="en-GB"/>
           </a:p>
@@ -3658,7 +3660,7 @@
           <a:p>
             <a:fld id="{29BFE5FB-EE99-4E69-B2F7-C156D52DE4BD}" type="datetimeFigureOut">
               <a:rPr lang="en-GB" smtClean="0"/>
-              <a:t>14/06/2023</a:t>
+              <a:t>05/07/2023</a:t>
             </a:fld>
             <a:endParaRPr lang="en-GB"/>
           </a:p>
@@ -4090,7 +4092,7 @@
         <p:spPr>
           <a:xfrm>
             <a:off x="419100" y="740122"/>
-            <a:ext cx="11216639" cy="3970318"/>
+            <a:ext cx="11216639" cy="5632311"/>
           </a:xfrm>
           <a:prstGeom prst="rect">
             <a:avLst/>
@@ -4276,10 +4278,13 @@
             </a:r>
           </a:p>
           <a:p>
-            <a:pPr lvl="1"/>
+            <a:pPr marL="742950" lvl="1" indent="-285750">
+              <a:buFont typeface="Arial" panose="020B0604020202020204" pitchFamily="34" charset="0"/>
+              <a:buChar char="•"/>
+            </a:pPr>
             <a:r>
               <a:rPr lang="en-GB" dirty="0"/>
-              <a:t>* Add </a:t>
+              <a:t>Add </a:t>
             </a:r>
             <a:r>
               <a:rPr lang="en-GB" dirty="0" err="1"/>
@@ -4293,6 +4298,60 @@
               <a:rPr lang="en-GB" dirty="0" err="1"/>
               <a:t>PipingNetworkSystems</a:t>
             </a:r>
+            <a:endParaRPr lang="en-GB" dirty="0"/>
+          </a:p>
+          <a:p>
+            <a:pPr marL="342900" indent="-342900">
+              <a:buFont typeface="+mj-lt"/>
+              <a:buAutoNum type="arabicPeriod" startAt="9"/>
+            </a:pPr>
+            <a:r>
+              <a:rPr lang="en-GB" dirty="0"/>
+              <a:t>Scale D-20HA001 symbol y-axis scaling 1.25 </a:t>
+            </a:r>
+          </a:p>
+          <a:p>
+            <a:pPr marL="342900" indent="-342900">
+              <a:buFont typeface="+mj-lt"/>
+              <a:buAutoNum type="arabicPeriod" startAt="9"/>
+            </a:pPr>
+            <a:r>
+              <a:rPr lang="en-GB" dirty="0"/>
+              <a:t>Modify pipe lines: </a:t>
+            </a:r>
+            <a:r>
+              <a:rPr lang="en-GB" sz="1800" b="0" i="0" u="none" strike="noStrike" baseline="0" dirty="0"/>
+              <a:t>D-20L00005A-1200PL-AS200-   &amp; D-20L00015A-0800PL-AD750- to test </a:t>
+            </a:r>
+            <a:r>
+              <a:rPr lang="en-GB" sz="1800" b="0" i="0" u="none" strike="noStrike" baseline="0" dirty="0" err="1"/>
+              <a:t>PipingNetworkSegment</a:t>
+            </a:r>
+            <a:r>
+              <a:rPr lang="en-GB" sz="1800" b="0" i="0" u="none" strike="noStrike" baseline="0" dirty="0"/>
+              <a:t> export variants</a:t>
+            </a:r>
+            <a:endParaRPr lang="en-GB" dirty="0"/>
+          </a:p>
+          <a:p>
+            <a:pPr marL="342900" indent="-342900">
+              <a:buFont typeface="+mj-lt"/>
+              <a:buAutoNum type="arabicPeriod" startAt="9"/>
+            </a:pPr>
+            <a:endParaRPr lang="en-GB" dirty="0"/>
+          </a:p>
+          <a:p>
+            <a:pPr marL="342900" indent="-342900">
+              <a:buFont typeface="+mj-lt"/>
+              <a:buAutoNum type="arabicPeriod" startAt="9"/>
+            </a:pPr>
+            <a:endParaRPr lang="en-GB" dirty="0"/>
+          </a:p>
+          <a:p>
+            <a:pPr marL="742950" lvl="1" indent="-285750">
+              <a:buFont typeface="Arial" panose="020B0604020202020204" pitchFamily="34" charset="0"/>
+              <a:buChar char="•"/>
+            </a:pPr>
             <a:endParaRPr lang="en-GB" dirty="0"/>
           </a:p>
         </p:txBody>
@@ -4815,6 +4874,321 @@
     <p:extLst>
       <p:ext uri="{BB962C8B-B14F-4D97-AF65-F5344CB8AC3E}">
         <p14:creationId xmlns:p14="http://schemas.microsoft.com/office/powerpoint/2010/main" val="2911805113"/>
+      </p:ext>
+    </p:extLst>
+  </p:cSld>
+  <p:clrMapOvr>
+    <a:masterClrMapping/>
+  </p:clrMapOvr>
+</p:sld>
+</file>
+
+<file path=ppt/slides/slide11.xml><?xml version="1.0" encoding="utf-8"?>
+<p:sld xmlns:a="http://schemas.openxmlformats.org/drawingml/2006/main" xmlns:r="http://schemas.openxmlformats.org/officeDocument/2006/relationships" xmlns:p="http://schemas.openxmlformats.org/presentationml/2006/main">
+  <p:cSld>
+    <p:spTree>
+      <p:nvGrpSpPr>
+        <p:cNvPr id="1" name=""/>
+        <p:cNvGrpSpPr/>
+        <p:nvPr/>
+      </p:nvGrpSpPr>
+      <p:grpSpPr>
+        <a:xfrm>
+          <a:off x="0" y="0"/>
+          <a:ext cx="0" cy="0"/>
+          <a:chOff x="0" y="0"/>
+          <a:chExt cx="0" cy="0"/>
+        </a:xfrm>
+      </p:grpSpPr>
+      <p:sp>
+        <p:nvSpPr>
+          <p:cNvPr id="3" name="TextBox 2">
+            <a:extLst>
+              <a:ext uri="{FF2B5EF4-FFF2-40B4-BE49-F238E27FC236}">
+                <a16:creationId xmlns:a16="http://schemas.microsoft.com/office/drawing/2014/main" id="{7F5AFCD7-CF64-A7F6-B02F-987454D53E76}"/>
+              </a:ext>
+            </a:extLst>
+          </p:cNvPr>
+          <p:cNvSpPr txBox="1"/>
+          <p:nvPr/>
+        </p:nvSpPr>
+        <p:spPr>
+          <a:xfrm>
+            <a:off x="124051" y="102889"/>
+            <a:ext cx="11607874" cy="369332"/>
+          </a:xfrm>
+          <a:prstGeom prst="rect">
+            <a:avLst/>
+          </a:prstGeom>
+          <a:noFill/>
+        </p:spPr>
+        <p:txBody>
+          <a:bodyPr wrap="square">
+            <a:spAutoFit/>
+          </a:bodyPr>
+          <a:lstStyle/>
+          <a:p>
+            <a:pPr marL="342900" indent="-342900">
+              <a:buFont typeface="+mj-lt"/>
+              <a:buAutoNum type="arabicPeriod" startAt="9"/>
+            </a:pPr>
+            <a:r>
+              <a:rPr lang="en-GB" dirty="0"/>
+              <a:t>Scale D-20HA001 symbol y-axis scaling 1.25 </a:t>
+            </a:r>
+          </a:p>
+        </p:txBody>
+      </p:sp>
+      <p:pic>
+        <p:nvPicPr>
+          <p:cNvPr id="9" name="Picture 8">
+            <a:extLst>
+              <a:ext uri="{FF2B5EF4-FFF2-40B4-BE49-F238E27FC236}">
+                <a16:creationId xmlns:a16="http://schemas.microsoft.com/office/drawing/2014/main" id="{DAA3EFFF-C56B-6CE0-F69F-364BC8F782E0}"/>
+              </a:ext>
+            </a:extLst>
+          </p:cNvPr>
+          <p:cNvPicPr>
+            <a:picLocks noChangeAspect="1"/>
+          </p:cNvPicPr>
+          <p:nvPr/>
+        </p:nvPicPr>
+        <p:blipFill>
+          <a:blip r:embed="rId2"/>
+          <a:stretch>
+            <a:fillRect/>
+          </a:stretch>
+        </p:blipFill>
+        <p:spPr>
+          <a:xfrm>
+            <a:off x="458251" y="914288"/>
+            <a:ext cx="8895299" cy="5410312"/>
+          </a:xfrm>
+          <a:prstGeom prst="rect">
+            <a:avLst/>
+          </a:prstGeom>
+          <a:ln>
+            <a:solidFill>
+              <a:schemeClr val="tx1"/>
+            </a:solidFill>
+          </a:ln>
+        </p:spPr>
+      </p:pic>
+    </p:spTree>
+    <p:extLst>
+      <p:ext uri="{BB962C8B-B14F-4D97-AF65-F5344CB8AC3E}">
+        <p14:creationId xmlns:p14="http://schemas.microsoft.com/office/powerpoint/2010/main" val="2857028273"/>
+      </p:ext>
+    </p:extLst>
+  </p:cSld>
+  <p:clrMapOvr>
+    <a:masterClrMapping/>
+  </p:clrMapOvr>
+</p:sld>
+</file>
+
+<file path=ppt/slides/slide12.xml><?xml version="1.0" encoding="utf-8"?>
+<p:sld xmlns:a="http://schemas.openxmlformats.org/drawingml/2006/main" xmlns:r="http://schemas.openxmlformats.org/officeDocument/2006/relationships" xmlns:p="http://schemas.openxmlformats.org/presentationml/2006/main">
+  <p:cSld>
+    <p:spTree>
+      <p:nvGrpSpPr>
+        <p:cNvPr id="1" name=""/>
+        <p:cNvGrpSpPr/>
+        <p:nvPr/>
+      </p:nvGrpSpPr>
+      <p:grpSpPr>
+        <a:xfrm>
+          <a:off x="0" y="0"/>
+          <a:ext cx="0" cy="0"/>
+          <a:chOff x="0" y="0"/>
+          <a:chExt cx="0" cy="0"/>
+        </a:xfrm>
+      </p:grpSpPr>
+      <p:sp>
+        <p:nvSpPr>
+          <p:cNvPr id="3" name="TextBox 2">
+            <a:extLst>
+              <a:ext uri="{FF2B5EF4-FFF2-40B4-BE49-F238E27FC236}">
+                <a16:creationId xmlns:a16="http://schemas.microsoft.com/office/drawing/2014/main" id="{7F5AFCD7-CF64-A7F6-B02F-987454D53E76}"/>
+              </a:ext>
+            </a:extLst>
+          </p:cNvPr>
+          <p:cNvSpPr txBox="1"/>
+          <p:nvPr/>
+        </p:nvSpPr>
+        <p:spPr>
+          <a:xfrm>
+            <a:off x="124051" y="102889"/>
+            <a:ext cx="11607874" cy="646331"/>
+          </a:xfrm>
+          <a:prstGeom prst="rect">
+            <a:avLst/>
+          </a:prstGeom>
+          <a:noFill/>
+        </p:spPr>
+        <p:txBody>
+          <a:bodyPr wrap="square">
+            <a:spAutoFit/>
+          </a:bodyPr>
+          <a:lstStyle/>
+          <a:p>
+            <a:pPr marL="342900" indent="-342900">
+              <a:buFont typeface="+mj-lt"/>
+              <a:buAutoNum type="arabicPeriod" startAt="10"/>
+            </a:pPr>
+            <a:r>
+              <a:rPr lang="en-GB" dirty="0"/>
+              <a:t>Modify pipe lines: </a:t>
+            </a:r>
+            <a:r>
+              <a:rPr lang="en-GB" sz="1800" b="0" i="0" u="none" strike="noStrike" baseline="0" dirty="0"/>
+              <a:t>D-20L00005A-1200PL-AS200-   &amp; D-20L00015A-0800PL-AD750- to test </a:t>
+            </a:r>
+            <a:r>
+              <a:rPr lang="en-GB" sz="1800" b="0" i="0" u="none" strike="noStrike" baseline="0" dirty="0" err="1"/>
+              <a:t>PipingNetworkSegment</a:t>
+            </a:r>
+            <a:r>
+              <a:rPr lang="en-GB" sz="1800" b="0" i="0" u="none" strike="noStrike" baseline="0" dirty="0"/>
+              <a:t> export variants</a:t>
+            </a:r>
+            <a:endParaRPr lang="en-GB" dirty="0"/>
+          </a:p>
+        </p:txBody>
+      </p:sp>
+      <p:sp>
+        <p:nvSpPr>
+          <p:cNvPr id="6" name="TextBox 5">
+            <a:extLst>
+              <a:ext uri="{FF2B5EF4-FFF2-40B4-BE49-F238E27FC236}">
+                <a16:creationId xmlns:a16="http://schemas.microsoft.com/office/drawing/2014/main" id="{FC55ADA1-F79E-E559-BB87-A61490E23126}"/>
+              </a:ext>
+            </a:extLst>
+          </p:cNvPr>
+          <p:cNvSpPr txBox="1"/>
+          <p:nvPr/>
+        </p:nvSpPr>
+        <p:spPr>
+          <a:xfrm>
+            <a:off x="8531794" y="1166068"/>
+            <a:ext cx="3416300" cy="4247317"/>
+          </a:xfrm>
+          <a:prstGeom prst="rect">
+            <a:avLst/>
+          </a:prstGeom>
+          <a:noFill/>
+        </p:spPr>
+        <p:txBody>
+          <a:bodyPr wrap="square" rtlCol="0">
+            <a:spAutoFit/>
+          </a:bodyPr>
+          <a:lstStyle/>
+          <a:p>
+            <a:pPr marL="342900" indent="-342900">
+              <a:buAutoNum type="arabicPeriod"/>
+            </a:pPr>
+            <a:r>
+              <a:rPr lang="en-GB" dirty="0"/>
+              <a:t>Add reducer to </a:t>
+            </a:r>
+            <a:r>
+              <a:rPr lang="en-GB" sz="1800" b="0" i="0" u="none" strike="noStrike" baseline="0" dirty="0"/>
+              <a:t>D-20L00005A-1200PL-AS200-</a:t>
+            </a:r>
+            <a:endParaRPr lang="en-GB" dirty="0"/>
+          </a:p>
+          <a:p>
+            <a:pPr marL="342900" indent="-342900">
+              <a:buAutoNum type="arabicPeriod"/>
+            </a:pPr>
+            <a:r>
+              <a:rPr lang="en-GB" dirty="0"/>
+              <a:t>Convert </a:t>
+            </a:r>
+            <a:r>
+              <a:rPr lang="en-GB" sz="1800" b="0" i="0" u="none" strike="noStrike" baseline="0" dirty="0"/>
+              <a:t>D-20L00015A-0800PL-AD750- into a segment of D-20L00005A-1200PL-AS200- where all piping properties will be the same as D-20L00005A-1200PL-AS200- main pipe.</a:t>
+            </a:r>
+          </a:p>
+          <a:p>
+            <a:pPr marL="342900" indent="-342900">
+              <a:buAutoNum type="arabicPeriod"/>
+            </a:pPr>
+            <a:r>
+              <a:rPr lang="en-GB" dirty="0"/>
+              <a:t>Add spectacle blind</a:t>
+            </a:r>
+          </a:p>
+          <a:p>
+            <a:pPr marL="342900" indent="-342900">
+              <a:buAutoNum type="arabicPeriod"/>
+            </a:pPr>
+            <a:r>
+              <a:rPr lang="en-GB" dirty="0"/>
+              <a:t>Add physical piping tee near OPC.</a:t>
+            </a:r>
+          </a:p>
+          <a:p>
+            <a:pPr marL="342900" indent="-342900">
+              <a:buAutoNum type="arabicPeriod"/>
+            </a:pPr>
+            <a:endParaRPr lang="en-GB" dirty="0"/>
+          </a:p>
+          <a:p>
+            <a:r>
+              <a:rPr lang="en-GB" dirty="0"/>
+              <a:t>2 </a:t>
+            </a:r>
+            <a:r>
+              <a:rPr lang="en-GB" dirty="0" err="1"/>
+              <a:t>PipingNetworkSegments</a:t>
+            </a:r>
+            <a:r>
+              <a:rPr lang="en-GB" dirty="0"/>
+              <a:t> will be created either side of the ball valve that is part of the main line.</a:t>
+            </a:r>
+          </a:p>
+        </p:txBody>
+      </p:sp>
+      <p:pic>
+        <p:nvPicPr>
+          <p:cNvPr id="9" name="Picture 8">
+            <a:extLst>
+              <a:ext uri="{FF2B5EF4-FFF2-40B4-BE49-F238E27FC236}">
+                <a16:creationId xmlns:a16="http://schemas.microsoft.com/office/drawing/2014/main" id="{52E76584-269E-74FF-1CE8-1A46CF706B72}"/>
+              </a:ext>
+            </a:extLst>
+          </p:cNvPr>
+          <p:cNvPicPr>
+            <a:picLocks noChangeAspect="1"/>
+          </p:cNvPicPr>
+          <p:nvPr/>
+        </p:nvPicPr>
+        <p:blipFill>
+          <a:blip r:embed="rId2"/>
+          <a:stretch>
+            <a:fillRect/>
+          </a:stretch>
+        </p:blipFill>
+        <p:spPr>
+          <a:xfrm>
+            <a:off x="243906" y="1285875"/>
+            <a:ext cx="7948816" cy="4838700"/>
+          </a:xfrm>
+          <a:prstGeom prst="rect">
+            <a:avLst/>
+          </a:prstGeom>
+          <a:ln>
+            <a:solidFill>
+              <a:schemeClr val="tx1"/>
+            </a:solidFill>
+          </a:ln>
+        </p:spPr>
+      </p:pic>
+    </p:spTree>
+    <p:extLst>
+      <p:ext uri="{BB962C8B-B14F-4D97-AF65-F5344CB8AC3E}">
+        <p14:creationId xmlns:p14="http://schemas.microsoft.com/office/powerpoint/2010/main" val="538655942"/>
       </p:ext>
     </p:extLst>
   </p:cSld>
